--- a/5_Azure Databricks/7_Magic Commands/1_magic commands.pptx
+++ b/5_Azure Databricks/7_Magic Commands/1_magic commands.pptx
@@ -6,6 +6,7 @@
   </p:sldMasterIdLst>
   <p:sldIdLst>
     <p:sldId id="256" r:id="rId2"/>
+    <p:sldId id="257" r:id="rId3"/>
   </p:sldIdLst>
   <p:sldSz cx="12192000" cy="6858000"/>
   <p:notesSz cx="6858000" cy="9144000"/>
@@ -104,6 +105,11 @@
       </a:defRPr>
     </a:lvl9pPr>
   </p:defaultTextStyle>
+  <p:extLst>
+    <p:ext uri="{EFAFB233-063F-42B5-8137-9DF3F51BA10A}">
+      <p15:sldGuideLst xmlns:p15="http://schemas.microsoft.com/office/powerpoint/2012/main"/>
+    </p:ext>
+  </p:extLst>
 </p:presentation>
 </file>
 
@@ -256,7 +262,7 @@
           <a:p>
             <a:fld id="{0542D790-D354-4191-9D43-0E8A989AFC23}" type="datetimeFigureOut">
               <a:rPr lang="en-IN" smtClean="0"/>
-              <a:t>24-01-2023</a:t>
+              <a:t>31-01-2023</a:t>
             </a:fld>
             <a:endParaRPr lang="en-IN"/>
           </a:p>
@@ -456,7 +462,7 @@
           <a:p>
             <a:fld id="{0542D790-D354-4191-9D43-0E8A989AFC23}" type="datetimeFigureOut">
               <a:rPr lang="en-IN" smtClean="0"/>
-              <a:t>24-01-2023</a:t>
+              <a:t>31-01-2023</a:t>
             </a:fld>
             <a:endParaRPr lang="en-IN"/>
           </a:p>
@@ -666,7 +672,7 @@
           <a:p>
             <a:fld id="{0542D790-D354-4191-9D43-0E8A989AFC23}" type="datetimeFigureOut">
               <a:rPr lang="en-IN" smtClean="0"/>
-              <a:t>24-01-2023</a:t>
+              <a:t>31-01-2023</a:t>
             </a:fld>
             <a:endParaRPr lang="en-IN"/>
           </a:p>
@@ -866,7 +872,7 @@
           <a:p>
             <a:fld id="{0542D790-D354-4191-9D43-0E8A989AFC23}" type="datetimeFigureOut">
               <a:rPr lang="en-IN" smtClean="0"/>
-              <a:t>24-01-2023</a:t>
+              <a:t>31-01-2023</a:t>
             </a:fld>
             <a:endParaRPr lang="en-IN"/>
           </a:p>
@@ -1142,7 +1148,7 @@
           <a:p>
             <a:fld id="{0542D790-D354-4191-9D43-0E8A989AFC23}" type="datetimeFigureOut">
               <a:rPr lang="en-IN" smtClean="0"/>
-              <a:t>24-01-2023</a:t>
+              <a:t>31-01-2023</a:t>
             </a:fld>
             <a:endParaRPr lang="en-IN"/>
           </a:p>
@@ -1410,7 +1416,7 @@
           <a:p>
             <a:fld id="{0542D790-D354-4191-9D43-0E8A989AFC23}" type="datetimeFigureOut">
               <a:rPr lang="en-IN" smtClean="0"/>
-              <a:t>24-01-2023</a:t>
+              <a:t>31-01-2023</a:t>
             </a:fld>
             <a:endParaRPr lang="en-IN"/>
           </a:p>
@@ -1825,7 +1831,7 @@
           <a:p>
             <a:fld id="{0542D790-D354-4191-9D43-0E8A989AFC23}" type="datetimeFigureOut">
               <a:rPr lang="en-IN" smtClean="0"/>
-              <a:t>24-01-2023</a:t>
+              <a:t>31-01-2023</a:t>
             </a:fld>
             <a:endParaRPr lang="en-IN"/>
           </a:p>
@@ -1967,7 +1973,7 @@
           <a:p>
             <a:fld id="{0542D790-D354-4191-9D43-0E8A989AFC23}" type="datetimeFigureOut">
               <a:rPr lang="en-IN" smtClean="0"/>
-              <a:t>24-01-2023</a:t>
+              <a:t>31-01-2023</a:t>
             </a:fld>
             <a:endParaRPr lang="en-IN"/>
           </a:p>
@@ -2080,7 +2086,7 @@
           <a:p>
             <a:fld id="{0542D790-D354-4191-9D43-0E8A989AFC23}" type="datetimeFigureOut">
               <a:rPr lang="en-IN" smtClean="0"/>
-              <a:t>24-01-2023</a:t>
+              <a:t>31-01-2023</a:t>
             </a:fld>
             <a:endParaRPr lang="en-IN"/>
           </a:p>
@@ -2393,7 +2399,7 @@
           <a:p>
             <a:fld id="{0542D790-D354-4191-9D43-0E8A989AFC23}" type="datetimeFigureOut">
               <a:rPr lang="en-IN" smtClean="0"/>
-              <a:t>24-01-2023</a:t>
+              <a:t>31-01-2023</a:t>
             </a:fld>
             <a:endParaRPr lang="en-IN"/>
           </a:p>
@@ -2682,7 +2688,7 @@
           <a:p>
             <a:fld id="{0542D790-D354-4191-9D43-0E8A989AFC23}" type="datetimeFigureOut">
               <a:rPr lang="en-IN" smtClean="0"/>
-              <a:t>24-01-2023</a:t>
+              <a:t>31-01-2023</a:t>
             </a:fld>
             <a:endParaRPr lang="en-IN"/>
           </a:p>
@@ -2925,7 +2931,7 @@
           <a:p>
             <a:fld id="{0542D790-D354-4191-9D43-0E8A989AFC23}" type="datetimeFigureOut">
               <a:rPr lang="en-IN" smtClean="0"/>
-              <a:t>24-01-2023</a:t>
+              <a:t>31-01-2023</a:t>
             </a:fld>
             <a:endParaRPr lang="en-IN"/>
           </a:p>
@@ -3493,6 +3499,225 @@
 </p:sld>
 </file>
 
+<file path=ppt/slides/slide2.xml><?xml version="1.0" encoding="utf-8"?>
+<p:sld xmlns:a="http://schemas.openxmlformats.org/drawingml/2006/main" xmlns:r="http://schemas.openxmlformats.org/officeDocument/2006/relationships" xmlns:p="http://schemas.openxmlformats.org/presentationml/2006/main">
+  <p:cSld>
+    <p:spTree>
+      <p:nvGrpSpPr>
+        <p:cNvPr id="1" name=""/>
+        <p:cNvGrpSpPr/>
+        <p:nvPr/>
+      </p:nvGrpSpPr>
+      <p:grpSpPr>
+        <a:xfrm>
+          <a:off x="0" y="0"/>
+          <a:ext cx="0" cy="0"/>
+          <a:chOff x="0" y="0"/>
+          <a:chExt cx="0" cy="0"/>
+        </a:xfrm>
+      </p:grpSpPr>
+      <p:pic>
+        <p:nvPicPr>
+          <p:cNvPr id="9" name="Picture 8">
+            <a:extLst>
+              <a:ext uri="{FF2B5EF4-FFF2-40B4-BE49-F238E27FC236}">
+                <a16:creationId xmlns:a16="http://schemas.microsoft.com/office/drawing/2014/main" id="{6B7592B1-8797-4C5A-AB9E-A07F348A3040}"/>
+              </a:ext>
+            </a:extLst>
+          </p:cNvPr>
+          <p:cNvPicPr>
+            <a:picLocks noChangeAspect="1"/>
+          </p:cNvPicPr>
+          <p:nvPr/>
+        </p:nvPicPr>
+        <p:blipFill rotWithShape="1">
+          <a:blip r:embed="rId2"/>
+          <a:srcRect l="7397" t="45073" r="14070" b="8696"/>
+          <a:stretch/>
+        </p:blipFill>
+        <p:spPr>
+          <a:xfrm>
+            <a:off x="224794" y="258418"/>
+            <a:ext cx="6253827" cy="2301004"/>
+          </a:xfrm>
+          <a:prstGeom prst="rect">
+            <a:avLst/>
+          </a:prstGeom>
+          <a:ln w="12700">
+            <a:solidFill>
+              <a:schemeClr val="tx1"/>
+            </a:solidFill>
+          </a:ln>
+        </p:spPr>
+      </p:pic>
+      <p:pic>
+        <p:nvPicPr>
+          <p:cNvPr id="11" name="Picture 10">
+            <a:extLst>
+              <a:ext uri="{FF2B5EF4-FFF2-40B4-BE49-F238E27FC236}">
+                <a16:creationId xmlns:a16="http://schemas.microsoft.com/office/drawing/2014/main" id="{19F6476A-945F-44A1-B76C-6E10698A6C31}"/>
+              </a:ext>
+            </a:extLst>
+          </p:cNvPr>
+          <p:cNvPicPr>
+            <a:picLocks noChangeAspect="1"/>
+          </p:cNvPicPr>
+          <p:nvPr/>
+        </p:nvPicPr>
+        <p:blipFill rotWithShape="1">
+          <a:blip r:embed="rId3"/>
+          <a:srcRect l="7917" t="54928" r="87168" b="36232"/>
+          <a:stretch/>
+        </p:blipFill>
+        <p:spPr>
+          <a:xfrm>
+            <a:off x="233459" y="2822711"/>
+            <a:ext cx="758758" cy="853113"/>
+          </a:xfrm>
+          <a:prstGeom prst="rect">
+            <a:avLst/>
+          </a:prstGeom>
+          <a:ln w="15875">
+            <a:solidFill>
+              <a:schemeClr val="tx1"/>
+            </a:solidFill>
+          </a:ln>
+        </p:spPr>
+      </p:pic>
+      <p:pic>
+        <p:nvPicPr>
+          <p:cNvPr id="13" name="Picture 12">
+            <a:extLst>
+              <a:ext uri="{FF2B5EF4-FFF2-40B4-BE49-F238E27FC236}">
+                <a16:creationId xmlns:a16="http://schemas.microsoft.com/office/drawing/2014/main" id="{DA3D6233-5327-41B7-AF38-22B3E44C0BE3}"/>
+              </a:ext>
+            </a:extLst>
+          </p:cNvPr>
+          <p:cNvPicPr>
+            <a:picLocks noChangeAspect="1"/>
+          </p:cNvPicPr>
+          <p:nvPr/>
+        </p:nvPicPr>
+        <p:blipFill rotWithShape="1">
+          <a:blip r:embed="rId4"/>
+          <a:srcRect l="5792" t="55319" r="90464" b="40146"/>
+          <a:stretch/>
+        </p:blipFill>
+        <p:spPr>
+          <a:xfrm>
+            <a:off x="234523" y="3778606"/>
+            <a:ext cx="533962" cy="404288"/>
+          </a:xfrm>
+          <a:prstGeom prst="rect">
+            <a:avLst/>
+          </a:prstGeom>
+          <a:ln w="15875">
+            <a:solidFill>
+              <a:schemeClr val="tx1"/>
+            </a:solidFill>
+          </a:ln>
+        </p:spPr>
+      </p:pic>
+      <p:pic>
+        <p:nvPicPr>
+          <p:cNvPr id="15" name="Picture 14">
+            <a:extLst>
+              <a:ext uri="{FF2B5EF4-FFF2-40B4-BE49-F238E27FC236}">
+                <a16:creationId xmlns:a16="http://schemas.microsoft.com/office/drawing/2014/main" id="{6FA250FB-5744-4F18-99DC-CDC0A7F5AD77}"/>
+              </a:ext>
+            </a:extLst>
+          </p:cNvPr>
+          <p:cNvPicPr>
+            <a:picLocks noChangeAspect="1"/>
+          </p:cNvPicPr>
+          <p:nvPr/>
+        </p:nvPicPr>
+        <p:blipFill>
+          <a:blip r:embed="rId5"/>
+          <a:stretch>
+            <a:fillRect/>
+          </a:stretch>
+        </p:blipFill>
+        <p:spPr>
+          <a:xfrm>
+            <a:off x="224795" y="4503704"/>
+            <a:ext cx="4862772" cy="311542"/>
+          </a:xfrm>
+          <a:prstGeom prst="rect">
+            <a:avLst/>
+          </a:prstGeom>
+          <a:ln w="12700">
+            <a:solidFill>
+              <a:schemeClr val="tx1"/>
+            </a:solidFill>
+          </a:ln>
+        </p:spPr>
+      </p:pic>
+      <p:sp>
+        <p:nvSpPr>
+          <p:cNvPr id="16" name="Rectangle 15">
+            <a:extLst>
+              <a:ext uri="{FF2B5EF4-FFF2-40B4-BE49-F238E27FC236}">
+                <a16:creationId xmlns:a16="http://schemas.microsoft.com/office/drawing/2014/main" id="{F630CB00-939F-4CC8-A848-3B008FA9902D}"/>
+              </a:ext>
+            </a:extLst>
+          </p:cNvPr>
+          <p:cNvSpPr/>
+          <p:nvPr/>
+        </p:nvSpPr>
+        <p:spPr>
+          <a:xfrm>
+            <a:off x="224794" y="258418"/>
+            <a:ext cx="6253827" cy="4566556"/>
+          </a:xfrm>
+          <a:prstGeom prst="rect">
+            <a:avLst/>
+          </a:prstGeom>
+          <a:noFill/>
+          <a:ln w="19050">
+            <a:solidFill>
+              <a:schemeClr val="tx1"/>
+            </a:solidFill>
+          </a:ln>
+        </p:spPr>
+        <p:style>
+          <a:lnRef idx="2">
+            <a:schemeClr val="accent1">
+              <a:shade val="50000"/>
+            </a:schemeClr>
+          </a:lnRef>
+          <a:fillRef idx="1">
+            <a:schemeClr val="accent1"/>
+          </a:fillRef>
+          <a:effectRef idx="0">
+            <a:schemeClr val="accent1"/>
+          </a:effectRef>
+          <a:fontRef idx="minor">
+            <a:schemeClr val="lt1"/>
+          </a:fontRef>
+        </p:style>
+        <p:txBody>
+          <a:bodyPr rtlCol="0" anchor="ctr"/>
+          <a:lstStyle/>
+          <a:p>
+            <a:pPr algn="ctr"/>
+            <a:endParaRPr lang="en-IN"/>
+          </a:p>
+        </p:txBody>
+      </p:sp>
+    </p:spTree>
+    <p:extLst>
+      <p:ext uri="{BB962C8B-B14F-4D97-AF65-F5344CB8AC3E}">
+        <p14:creationId xmlns:p14="http://schemas.microsoft.com/office/powerpoint/2010/main" val="3369481182"/>
+      </p:ext>
+    </p:extLst>
+  </p:cSld>
+  <p:clrMapOvr>
+    <a:masterClrMapping/>
+  </p:clrMapOvr>
+</p:sld>
+</file>
+
 <file path=ppt/theme/theme1.xml><?xml version="1.0" encoding="utf-8"?>
 <a:theme xmlns:a="http://schemas.openxmlformats.org/drawingml/2006/main" name="Office Theme">
   <a:themeElements>
